--- a/Nov.23.2018 - Team 3 UDCN/Bao cao ket qua_UDCN.pptx
+++ b/Nov.23.2018 - Team 3 UDCN/Bao cao ket qua_UDCN.pptx
@@ -3019,11 +3019,7 @@
           <a:p>
             <a:r>
               <a:rPr lang="en-US" smtClean="0"/>
-              <a:t>Thiết kế thí </a:t>
-            </a:r>
-            <a:r>
-              <a:rPr lang="en-US" smtClean="0"/>
-              <a:t>nghiệm – Nov.21, 2018</a:t>
+              <a:t>Thiết kế thí nghiệm – Nov.21, 2018</a:t>
             </a:r>
             <a:endParaRPr lang="en-US"/>
           </a:p>
@@ -3302,11 +3298,7 @@
           <a:p>
             <a:r>
               <a:rPr lang="en-US" smtClean="0"/>
-              <a:t>   Báo cáo Kết </a:t>
-            </a:r>
-            <a:r>
-              <a:rPr lang="en-US" smtClean="0"/>
-              <a:t>quả - Nov.21, 2018</a:t>
+              <a:t>   Báo cáo Kết quả - Nov.21, 2018</a:t>
             </a:r>
             <a:endParaRPr lang="en-US"/>
           </a:p>
@@ -3704,7 +3696,6 @@
               <a:rPr lang="en-US"/>
               <a:t> Báo cáo Kết quả - Nov.21, 2018</a:t>
             </a:r>
-            <a:endParaRPr lang="en-US"/>
           </a:p>
         </p:txBody>
       </p:sp>
@@ -3865,11 +3856,7 @@
           <a:p>
             <a:r>
               <a:rPr lang="en-US" smtClean="0"/>
-              <a:t>Thiết kế thí </a:t>
-            </a:r>
-            <a:r>
-              <a:rPr lang="en-US" smtClean="0"/>
-              <a:t>nghiệm – Nov.23, 2018</a:t>
+              <a:t>Thiết kế thí nghiệm – Nov.23, 2018</a:t>
             </a:r>
             <a:endParaRPr lang="en-US"/>
           </a:p>
@@ -3927,23 +3914,7 @@
                 <a:ea typeface="Microsoft JhengHei Light" panose="020B0304030504040204" pitchFamily="34" charset="-120"/>
                 <a:cs typeface="Segoe UI" panose="020B0502040204020203" pitchFamily="34" charset="0"/>
               </a:rPr>
-              <a:t>Cao thế: </a:t>
-            </a:r>
-            <a:r>
-              <a:rPr lang="en-US" sz="2000" smtClean="0">
-                <a:latin typeface="Segoe UI" panose="020B0502040204020203" pitchFamily="34" charset="0"/>
-                <a:ea typeface="Microsoft JhengHei Light" panose="020B0304030504040204" pitchFamily="34" charset="-120"/>
-                <a:cs typeface="Segoe UI" panose="020B0502040204020203" pitchFamily="34" charset="0"/>
-              </a:rPr>
-              <a:t>805V </a:t>
-            </a:r>
-            <a:r>
-              <a:rPr lang="en-US" sz="2000" smtClean="0">
-                <a:latin typeface="Segoe UI" panose="020B0502040204020203" pitchFamily="34" charset="0"/>
-                <a:ea typeface="Microsoft JhengHei Light" panose="020B0304030504040204" pitchFamily="34" charset="-120"/>
-                <a:cs typeface="Segoe UI" panose="020B0502040204020203" pitchFamily="34" charset="0"/>
-              </a:rPr>
-              <a:t>– Hệ số khuếch đại: x100 – Chế độ đo CT</a:t>
+              <a:t>Cao thế: 805V – Hệ số khuếch đại: x100 – Chế độ đo CT</a:t>
             </a:r>
           </a:p>
           <a:p>
@@ -3960,21 +3931,8 @@
                 <a:ea typeface="Microsoft JhengHei Light" panose="020B0304030504040204" pitchFamily="34" charset="-120"/>
                 <a:cs typeface="Segoe UI" panose="020B0502040204020203" pitchFamily="34" charset="0"/>
               </a:rPr>
-              <a:t>Thời gian đo: </a:t>
-            </a:r>
-            <a:r>
-              <a:rPr lang="en-US" sz="2000" smtClean="0">
-                <a:latin typeface="Segoe UI" panose="020B0502040204020203" pitchFamily="34" charset="0"/>
-                <a:ea typeface="Microsoft JhengHei Light" panose="020B0304030504040204" pitchFamily="34" charset="-120"/>
-                <a:cs typeface="Segoe UI" panose="020B0502040204020203" pitchFamily="34" charset="0"/>
-              </a:rPr>
-              <a:t>2 mins</a:t>
-            </a:r>
-            <a:endParaRPr lang="en-US" sz="2000" smtClean="0">
-              <a:latin typeface="Segoe UI" panose="020B0502040204020203" pitchFamily="34" charset="0"/>
-              <a:ea typeface="Microsoft JhengHei Light" panose="020B0304030504040204" pitchFamily="34" charset="-120"/>
-              <a:cs typeface="Segoe UI" panose="020B0502040204020203" pitchFamily="34" charset="0"/>
-            </a:endParaRPr>
+              <a:t>Thời gian đo: 2 mins</a:t>
+            </a:r>
           </a:p>
           <a:p>
             <a:pPr marL="342900" indent="-342900">
@@ -4075,21 +4033,8 @@
                 <a:ea typeface="Microsoft JhengHei Light" panose="020B0304030504040204" pitchFamily="34" charset="-120"/>
                 <a:cs typeface="Segoe UI" panose="020B0502040204020203" pitchFamily="34" charset="0"/>
               </a:rPr>
-              <a:t>Dung dịch nước muối (NaCl), đường (C = 90%), Ethanol (C = 90%),  Nước </a:t>
-            </a:r>
-            <a:r>
-              <a:rPr lang="en-US" sz="2000" smtClean="0">
-                <a:latin typeface="Segoe UI" panose="020B0502040204020203" pitchFamily="34" charset="0"/>
-                <a:ea typeface="Microsoft JhengHei Light" panose="020B0304030504040204" pitchFamily="34" charset="-120"/>
-                <a:cs typeface="Segoe UI" panose="020B0502040204020203" pitchFamily="34" charset="0"/>
-              </a:rPr>
-              <a:t>cất, Na2SO4 (C=60%) </a:t>
-            </a:r>
-            <a:endParaRPr lang="en-US" sz="2000" smtClean="0">
-              <a:latin typeface="Segoe UI" panose="020B0502040204020203" pitchFamily="34" charset="0"/>
-              <a:ea typeface="Microsoft JhengHei Light" panose="020B0304030504040204" pitchFamily="34" charset="-120"/>
-              <a:cs typeface="Segoe UI" panose="020B0502040204020203" pitchFamily="34" charset="0"/>
-            </a:endParaRPr>
+              <a:t>Dung dịch nước muối (NaCl), đường (C = 90%), Ethanol (C = 90%),  Nước cất, Na2SO4 (C=60%) </a:t>
+            </a:r>
           </a:p>
           <a:p>
             <a:pPr marL="742950" lvl="1" indent="-285750">
@@ -4190,11 +4135,7 @@
           <a:p>
             <a:r>
               <a:rPr lang="en-US"/>
-              <a:t> Báo cáo Kết quả </a:t>
-            </a:r>
-            <a:r>
-              <a:rPr lang="en-US"/>
-              <a:t>- </a:t>
+              <a:t> Báo cáo Kết quả - </a:t>
             </a:r>
             <a:r>
               <a:rPr lang="en-US" smtClean="0"/>
@@ -4204,34 +4145,9 @@
               <a:rPr lang="en-US"/>
               <a:t>2018</a:t>
             </a:r>
-            <a:endParaRPr lang="en-US"/>
-          </a:p>
-        </p:txBody>
-      </p:sp>
-      <p:pic>
-        <p:nvPicPr>
-          <p:cNvPr id="5" name="Picture 4"/>
-          <p:cNvPicPr>
-            <a:picLocks noChangeAspect="1"/>
-          </p:cNvPicPr>
-          <p:nvPr/>
-        </p:nvPicPr>
-        <p:blipFill>
-          <a:blip r:embed="rId2"/>
-          <a:stretch>
-            <a:fillRect/>
-          </a:stretch>
-        </p:blipFill>
-        <p:spPr>
-          <a:xfrm>
-            <a:off x="681459" y="995362"/>
-            <a:ext cx="10800792" cy="4414838"/>
-          </a:xfrm>
-          <a:prstGeom prst="rect">
-            <a:avLst/>
-          </a:prstGeom>
-        </p:spPr>
-      </p:pic>
+          </a:p>
+        </p:txBody>
+      </p:sp>
       <p:sp>
         <p:nvSpPr>
           <p:cNvPr id="7" name="TextBox 6"/>
@@ -4363,19 +4279,19 @@
                         <a:rPr lang="en-US" sz="2400" i="1">
                           <a:latin typeface="Cambria Math" panose="02040503050406030204" pitchFamily="18" charset="0"/>
                         </a:rPr>
-                        <m:t>0.029642</m:t>
+                        <m:t>0.038231</m:t>
                       </m:r>
                       <m:r>
                         <a:rPr lang="en-US" sz="2400" b="0" i="1" smtClean="0">
                           <a:latin typeface="Cambria Math" panose="02040503050406030204" pitchFamily="18" charset="0"/>
                         </a:rPr>
-                        <m:t>+ </m:t>
+                        <m:t>+</m:t>
                       </m:r>
                       <m:r>
                         <a:rPr lang="en-US" sz="2400" i="1">
                           <a:latin typeface="Cambria Math" panose="02040503050406030204" pitchFamily="18" charset="0"/>
                         </a:rPr>
-                        <m:t>0.131776</m:t>
+                        <m:t>0.086680</m:t>
                       </m:r>
                       <m:r>
                         <a:rPr lang="en-US" sz="2400" b="0" i="1" smtClean="0">
@@ -4477,7 +4393,7 @@
                 <a:avLst/>
               </a:prstGeom>
               <a:blipFill>
-                <a:blip r:embed="rId3"/>
+                <a:blip r:embed="rId2"/>
                 <a:stretch>
                   <a:fillRect/>
                 </a:stretch>
@@ -4498,6 +4414,30 @@
           </p:sp>
         </mc:Fallback>
       </mc:AlternateContent>
+      <p:pic>
+        <p:nvPicPr>
+          <p:cNvPr id="2" name="Picture 1"/>
+          <p:cNvPicPr>
+            <a:picLocks noChangeAspect="1"/>
+          </p:cNvPicPr>
+          <p:nvPr/>
+        </p:nvPicPr>
+        <p:blipFill>
+          <a:blip r:embed="rId3"/>
+          <a:stretch>
+            <a:fillRect/>
+          </a:stretch>
+        </p:blipFill>
+        <p:spPr>
+          <a:xfrm>
+            <a:off x="871027" y="1075619"/>
+            <a:ext cx="10825447" cy="4296481"/>
+          </a:xfrm>
+          <a:prstGeom prst="rect">
+            <a:avLst/>
+          </a:prstGeom>
+        </p:spPr>
+      </p:pic>
     </p:spTree>
     <p:extLst>
       <p:ext uri="{BB962C8B-B14F-4D97-AF65-F5344CB8AC3E}">
@@ -4573,11 +4513,7 @@
           <a:p>
             <a:r>
               <a:rPr lang="en-US"/>
-              <a:t> Báo cáo Kết quả </a:t>
-            </a:r>
-            <a:r>
-              <a:rPr lang="en-US"/>
-              <a:t>- </a:t>
+              <a:t> Báo cáo Kết quả - </a:t>
             </a:r>
             <a:r>
               <a:rPr lang="en-US" smtClean="0"/>
@@ -4587,7 +4523,6 @@
               <a:rPr lang="en-US"/>
               <a:t>2018</a:t>
             </a:r>
-            <a:endParaRPr lang="en-US"/>
           </a:p>
         </p:txBody>
       </p:sp>
@@ -4620,6 +4555,61 @@
               </a:rPr>
               <a:t>Kết quả: </a:t>
             </a:r>
+          </a:p>
+          <a:p>
+            <a:pPr marL="457200" indent="-457200">
+              <a:buFont typeface="+mj-lt"/>
+              <a:buAutoNum type="arabicPeriod"/>
+            </a:pPr>
+            <a:r>
+              <a:rPr lang="en-US" sz="2000" smtClean="0">
+                <a:latin typeface="Segoe UI" panose="020B0502040204020203" pitchFamily="34" charset="0"/>
+                <a:cs typeface="Segoe UI" panose="020B0502040204020203" pitchFamily="34" charset="0"/>
+              </a:rPr>
+              <a:t>Mật độ của dung dịch CocaCola = </a:t>
+            </a:r>
+            <a:r>
+              <a:rPr lang="en-US" sz="2000">
+                <a:latin typeface="Segoe UI" panose="020B0502040204020203" pitchFamily="34" charset="0"/>
+                <a:cs typeface="Segoe UI" panose="020B0502040204020203" pitchFamily="34" charset="0"/>
+              </a:rPr>
+              <a:t>0.940754 </a:t>
+            </a:r>
+            <a:r>
+              <a:rPr lang="en-US" sz="2000">
+                <a:latin typeface="Segoe UI" panose="020B0502040204020203" pitchFamily="34" charset="0"/>
+                <a:cs typeface="Segoe UI" panose="020B0502040204020203" pitchFamily="34" charset="0"/>
+              </a:rPr>
+              <a:t>	</a:t>
+            </a:r>
+            <a:r>
+              <a:rPr lang="en-US" sz="2000" smtClean="0">
+                <a:latin typeface="Segoe UI" panose="020B0502040204020203" pitchFamily="34" charset="0"/>
+                <a:cs typeface="Segoe UI" panose="020B0502040204020203" pitchFamily="34" charset="0"/>
+              </a:rPr>
+              <a:t> </a:t>
+            </a:r>
+            <a:r>
+              <a:rPr lang="en-US" sz="2000" smtClean="0">
+                <a:latin typeface="Segoe UI" panose="020B0502040204020203" pitchFamily="34" charset="0"/>
+                <a:cs typeface="Segoe UI" panose="020B0502040204020203" pitchFamily="34" charset="0"/>
+              </a:rPr>
+              <a:t>(g/cm3) </a:t>
+            </a:r>
+            <a:r>
+              <a:rPr lang="en-US" sz="2000">
+                <a:latin typeface="Segoe UI" panose="020B0502040204020203" pitchFamily="34" charset="0"/>
+                <a:cs typeface="Segoe UI" panose="020B0502040204020203" pitchFamily="34" charset="0"/>
+              </a:rPr>
+              <a:t>; Sai số: </a:t>
+            </a:r>
+            <a:r>
+              <a:rPr lang="en-US" sz="2000" smtClean="0">
+                <a:latin typeface="Segoe UI" panose="020B0502040204020203" pitchFamily="34" charset="0"/>
+                <a:cs typeface="Segoe UI" panose="020B0502040204020203" pitchFamily="34" charset="0"/>
+              </a:rPr>
+              <a:t>8.035946 % </a:t>
+            </a:r>
             <a:endParaRPr lang="en-US" sz="2000" smtClean="0">
               <a:latin typeface="Segoe UI" panose="020B0502040204020203" pitchFamily="34" charset="0"/>
               <a:cs typeface="Segoe UI" panose="020B0502040204020203" pitchFamily="34" charset="0"/>
@@ -4631,72 +4621,61 @@
               <a:buAutoNum type="arabicPeriod"/>
             </a:pPr>
             <a:r>
+              <a:rPr lang="en-US" sz="2000">
+                <a:latin typeface="Segoe UI" panose="020B0502040204020203" pitchFamily="34" charset="0"/>
+                <a:cs typeface="Segoe UI" panose="020B0502040204020203" pitchFamily="34" charset="0"/>
+              </a:rPr>
+              <a:t>Mật độ của dung dịch Sunlight_Solution = </a:t>
+            </a:r>
+            <a:r>
+              <a:rPr lang="en-US" sz="2000">
+                <a:latin typeface="Segoe UI" panose="020B0502040204020203" pitchFamily="34" charset="0"/>
+                <a:cs typeface="Segoe UI" panose="020B0502040204020203" pitchFamily="34" charset="0"/>
+              </a:rPr>
+              <a:t>0.955045 </a:t>
+            </a:r>
+            <a:r>
               <a:rPr lang="en-US" sz="2000" smtClean="0">
                 <a:latin typeface="Segoe UI" panose="020B0502040204020203" pitchFamily="34" charset="0"/>
                 <a:cs typeface="Segoe UI" panose="020B0502040204020203" pitchFamily="34" charset="0"/>
               </a:rPr>
-              <a:t>Mật </a:t>
+              <a:t>(</a:t>
+            </a:r>
+            <a:r>
+              <a:rPr lang="en-US" sz="2000">
+                <a:latin typeface="Segoe UI" panose="020B0502040204020203" pitchFamily="34" charset="0"/>
+                <a:cs typeface="Segoe UI" panose="020B0502040204020203" pitchFamily="34" charset="0"/>
+              </a:rPr>
+              <a:t>g/cm3) ; Sai số: </a:t>
+            </a:r>
+            <a:r>
+              <a:rPr lang="en-US" sz="2000">
+                <a:latin typeface="Segoe UI" panose="020B0502040204020203" pitchFamily="34" charset="0"/>
+                <a:cs typeface="Segoe UI" panose="020B0502040204020203" pitchFamily="34" charset="0"/>
+              </a:rPr>
+              <a:t>	</a:t>
+            </a:r>
+            <a:r>
+              <a:rPr lang="en-US" sz="2000">
+                <a:latin typeface="Segoe UI" panose="020B0502040204020203" pitchFamily="34" charset="0"/>
+                <a:cs typeface="Segoe UI" panose="020B0502040204020203" pitchFamily="34" charset="0"/>
+              </a:rPr>
+              <a:t>3.525721 </a:t>
             </a:r>
             <a:r>
               <a:rPr lang="en-US" sz="2000" smtClean="0">
                 <a:latin typeface="Segoe UI" panose="020B0502040204020203" pitchFamily="34" charset="0"/>
                 <a:cs typeface="Segoe UI" panose="020B0502040204020203" pitchFamily="34" charset="0"/>
               </a:rPr>
-              <a:t>độ của dung dịch CocaCola = </a:t>
-            </a:r>
-            <a:r>
-              <a:rPr lang="en-US" sz="2000">
-                <a:latin typeface="Segoe UI" panose="020B0502040204020203" pitchFamily="34" charset="0"/>
-                <a:cs typeface="Segoe UI" panose="020B0502040204020203" pitchFamily="34" charset="0"/>
-              </a:rPr>
-              <a:t>0.940754 </a:t>
-            </a:r>
-            <a:r>
-              <a:rPr lang="en-US" sz="2000">
-                <a:latin typeface="Segoe UI" panose="020B0502040204020203" pitchFamily="34" charset="0"/>
-                <a:cs typeface="Segoe UI" panose="020B0502040204020203" pitchFamily="34" charset="0"/>
-              </a:rPr>
-              <a:t>	</a:t>
+              <a:t> </a:t>
             </a:r>
             <a:r>
               <a:rPr lang="en-US" sz="2000" smtClean="0">
                 <a:latin typeface="Segoe UI" panose="020B0502040204020203" pitchFamily="34" charset="0"/>
                 <a:cs typeface="Segoe UI" panose="020B0502040204020203" pitchFamily="34" charset="0"/>
               </a:rPr>
-              <a:t> </a:t>
-            </a:r>
-            <a:r>
-              <a:rPr lang="en-US" sz="2000" smtClean="0">
-                <a:latin typeface="Segoe UI" panose="020B0502040204020203" pitchFamily="34" charset="0"/>
-                <a:cs typeface="Segoe UI" panose="020B0502040204020203" pitchFamily="34" charset="0"/>
-              </a:rPr>
-              <a:t>(</a:t>
-            </a:r>
-            <a:r>
-              <a:rPr lang="en-US" sz="2000" smtClean="0">
-                <a:latin typeface="Segoe UI" panose="020B0502040204020203" pitchFamily="34" charset="0"/>
-                <a:cs typeface="Segoe UI" panose="020B0502040204020203" pitchFamily="34" charset="0"/>
-              </a:rPr>
-              <a:t>g/cm3) </a:t>
-            </a:r>
-            <a:r>
-              <a:rPr lang="en-US" sz="2000">
-                <a:latin typeface="Segoe UI" panose="020B0502040204020203" pitchFamily="34" charset="0"/>
-                <a:cs typeface="Segoe UI" panose="020B0502040204020203" pitchFamily="34" charset="0"/>
-              </a:rPr>
-              <a:t>; Sai số: 6.238751</a:t>
-            </a:r>
-            <a:r>
-              <a:rPr lang="en-US" sz="2000">
-                <a:latin typeface="Segoe UI" panose="020B0502040204020203" pitchFamily="34" charset="0"/>
-                <a:cs typeface="Segoe UI" panose="020B0502040204020203" pitchFamily="34" charset="0"/>
-              </a:rPr>
-              <a:t>% </a:t>
-            </a:r>
-            <a:endParaRPr lang="en-US" sz="2000" smtClean="0">
-              <a:latin typeface="Segoe UI" panose="020B0502040204020203" pitchFamily="34" charset="0"/>
-              <a:cs typeface="Segoe UI" panose="020B0502040204020203" pitchFamily="34" charset="0"/>
-            </a:endParaRPr>
+              <a:t>%</a:t>
+            </a:r>
           </a:p>
           <a:p>
             <a:pPr marL="457200" indent="-457200">
@@ -4708,132 +4687,63 @@
                 <a:latin typeface="Segoe UI" panose="020B0502040204020203" pitchFamily="34" charset="0"/>
                 <a:cs typeface="Segoe UI" panose="020B0502040204020203" pitchFamily="34" charset="0"/>
               </a:rPr>
-              <a:t>Mật độ của dung </a:t>
+              <a:t>Mật độ của dung dịch </a:t>
+            </a:r>
+            <a:r>
+              <a:rPr lang="en-US" sz="2000" smtClean="0">
+                <a:latin typeface="Segoe UI" panose="020B0502040204020203" pitchFamily="34" charset="0"/>
+                <a:cs typeface="Segoe UI" panose="020B0502040204020203" pitchFamily="34" charset="0"/>
+              </a:rPr>
+              <a:t>Olong_Solution </a:t>
             </a:r>
             <a:r>
               <a:rPr lang="en-US" sz="2000">
                 <a:latin typeface="Segoe UI" panose="020B0502040204020203" pitchFamily="34" charset="0"/>
                 <a:cs typeface="Segoe UI" panose="020B0502040204020203" pitchFamily="34" charset="0"/>
               </a:rPr>
-              <a:t>dịch </a:t>
+              <a:t>= </a:t>
             </a:r>
             <a:r>
               <a:rPr lang="en-US" sz="2000">
                 <a:latin typeface="Segoe UI" panose="020B0502040204020203" pitchFamily="34" charset="0"/>
                 <a:cs typeface="Segoe UI" panose="020B0502040204020203" pitchFamily="34" charset="0"/>
               </a:rPr>
-              <a:t>Sunlight_Solution </a:t>
+              <a:t>0.950561 </a:t>
+            </a:r>
+            <a:r>
+              <a:rPr lang="en-US" sz="2000" smtClean="0">
+                <a:latin typeface="Segoe UI" panose="020B0502040204020203" pitchFamily="34" charset="0"/>
+                <a:cs typeface="Segoe UI" panose="020B0502040204020203" pitchFamily="34" charset="0"/>
+              </a:rPr>
+              <a:t>(</a:t>
             </a:r>
             <a:r>
               <a:rPr lang="en-US" sz="2000">
                 <a:latin typeface="Segoe UI" panose="020B0502040204020203" pitchFamily="34" charset="0"/>
                 <a:cs typeface="Segoe UI" panose="020B0502040204020203" pitchFamily="34" charset="0"/>
               </a:rPr>
-              <a:t>= </a:t>
+              <a:t>g/cm3) ; Sai </a:t>
             </a:r>
             <a:r>
               <a:rPr lang="en-US" sz="2000">
                 <a:latin typeface="Segoe UI" panose="020B0502040204020203" pitchFamily="34" charset="0"/>
                 <a:cs typeface="Segoe UI" panose="020B0502040204020203" pitchFamily="34" charset="0"/>
               </a:rPr>
-              <a:t>0.955045 </a:t>
+              <a:t>số</a:t>
             </a:r>
             <a:r>
               <a:rPr lang="en-US" sz="2000">
                 <a:latin typeface="Segoe UI" panose="020B0502040204020203" pitchFamily="34" charset="0"/>
                 <a:cs typeface="Segoe UI" panose="020B0502040204020203" pitchFamily="34" charset="0"/>
               </a:rPr>
-              <a:t>	</a:t>
+              <a:t>: </a:t>
             </a:r>
             <a:r>
               <a:rPr lang="en-US" sz="2000" smtClean="0">
                 <a:latin typeface="Segoe UI" panose="020B0502040204020203" pitchFamily="34" charset="0"/>
                 <a:cs typeface="Segoe UI" panose="020B0502040204020203" pitchFamily="34" charset="0"/>
               </a:rPr>
-              <a:t> </a:t>
-            </a:r>
-            <a:r>
-              <a:rPr lang="en-US" sz="2000">
-                <a:latin typeface="Segoe UI" panose="020B0502040204020203" pitchFamily="34" charset="0"/>
-                <a:cs typeface="Segoe UI" panose="020B0502040204020203" pitchFamily="34" charset="0"/>
-              </a:rPr>
-              <a:t>(g/cm3) ; Sai số</a:t>
-            </a:r>
-            <a:r>
-              <a:rPr lang="en-US" sz="2000">
-                <a:latin typeface="Segoe UI" panose="020B0502040204020203" pitchFamily="34" charset="0"/>
-                <a:cs typeface="Segoe UI" panose="020B0502040204020203" pitchFamily="34" charset="0"/>
-              </a:rPr>
-              <a:t>: 3.525721 </a:t>
-            </a:r>
-            <a:r>
-              <a:rPr lang="en-US" sz="2000" smtClean="0">
-                <a:latin typeface="Segoe UI" panose="020B0502040204020203" pitchFamily="34" charset="0"/>
-                <a:cs typeface="Segoe UI" panose="020B0502040204020203" pitchFamily="34" charset="0"/>
-              </a:rPr>
-              <a:t>%</a:t>
-            </a:r>
-          </a:p>
-          <a:p>
-            <a:pPr marL="457200" indent="-457200">
-              <a:buFont typeface="+mj-lt"/>
-              <a:buAutoNum type="arabicPeriod"/>
-            </a:pPr>
-            <a:r>
-              <a:rPr lang="en-US" sz="2000">
-                <a:latin typeface="Segoe UI" panose="020B0502040204020203" pitchFamily="34" charset="0"/>
-                <a:cs typeface="Segoe UI" panose="020B0502040204020203" pitchFamily="34" charset="0"/>
-              </a:rPr>
-              <a:t>Mật độ của dung </a:t>
-            </a:r>
-            <a:r>
-              <a:rPr lang="en-US" sz="2000">
-                <a:latin typeface="Segoe UI" panose="020B0502040204020203" pitchFamily="34" charset="0"/>
-                <a:cs typeface="Segoe UI" panose="020B0502040204020203" pitchFamily="34" charset="0"/>
-              </a:rPr>
-              <a:t>dịch </a:t>
-            </a:r>
-            <a:r>
-              <a:rPr lang="en-US" sz="2000" smtClean="0">
-                <a:latin typeface="Segoe UI" panose="020B0502040204020203" pitchFamily="34" charset="0"/>
-                <a:cs typeface="Segoe UI" panose="020B0502040204020203" pitchFamily="34" charset="0"/>
-              </a:rPr>
-              <a:t>Olong_Solution </a:t>
-            </a:r>
-            <a:r>
-              <a:rPr lang="en-US" sz="2000">
-                <a:latin typeface="Segoe UI" panose="020B0502040204020203" pitchFamily="34" charset="0"/>
-                <a:cs typeface="Segoe UI" panose="020B0502040204020203" pitchFamily="34" charset="0"/>
-              </a:rPr>
-              <a:t>= 0.950561 </a:t>
-            </a:r>
-            <a:r>
-              <a:rPr lang="en-US" sz="2000" smtClean="0">
-                <a:latin typeface="Segoe UI" panose="020B0502040204020203" pitchFamily="34" charset="0"/>
-                <a:cs typeface="Segoe UI" panose="020B0502040204020203" pitchFamily="34" charset="0"/>
-              </a:rPr>
-              <a:t>(</a:t>
-            </a:r>
-            <a:r>
-              <a:rPr lang="en-US" sz="2000">
-                <a:latin typeface="Segoe UI" panose="020B0502040204020203" pitchFamily="34" charset="0"/>
-                <a:cs typeface="Segoe UI" panose="020B0502040204020203" pitchFamily="34" charset="0"/>
-              </a:rPr>
-              <a:t>g/cm3) ; Sai số</a:t>
-            </a:r>
-            <a:r>
-              <a:rPr lang="en-US" sz="2000">
-                <a:latin typeface="Segoe UI" panose="020B0502040204020203" pitchFamily="34" charset="0"/>
-                <a:cs typeface="Segoe UI" panose="020B0502040204020203" pitchFamily="34" charset="0"/>
-              </a:rPr>
-              <a:t>: </a:t>
-            </a:r>
-            <a:r>
-              <a:rPr lang="en-US" sz="2000" smtClean="0">
-                <a:latin typeface="Segoe UI" panose="020B0502040204020203" pitchFamily="34" charset="0"/>
-                <a:cs typeface="Segoe UI" panose="020B0502040204020203" pitchFamily="34" charset="0"/>
-              </a:rPr>
-              <a:t> 6.640523  </a:t>
+              <a:t>6.640523 </a:t>
             </a:r>
             <a:r>
               <a:rPr lang="en-US" sz="2000">

--- a/Nov.23.2018 - Team 3 UDCN/Bao cao ket qua_UDCN.pptx
+++ b/Nov.23.2018 - Team 3 UDCN/Bao cao ket qua_UDCN.pptx
@@ -3347,30 +3347,6 @@
           </a:p>
         </p:txBody>
       </p:sp>
-      <p:pic>
-        <p:nvPicPr>
-          <p:cNvPr id="5" name="Picture 4"/>
-          <p:cNvPicPr>
-            <a:picLocks noChangeAspect="1"/>
-          </p:cNvPicPr>
-          <p:nvPr/>
-        </p:nvPicPr>
-        <p:blipFill>
-          <a:blip r:embed="rId2"/>
-          <a:stretch>
-            <a:fillRect/>
-          </a:stretch>
-        </p:blipFill>
-        <p:spPr>
-          <a:xfrm>
-            <a:off x="553785" y="1516031"/>
-            <a:ext cx="11084430" cy="3804557"/>
-          </a:xfrm>
-          <a:prstGeom prst="rect">
-            <a:avLst/>
-          </a:prstGeom>
-        </p:spPr>
-      </p:pic>
       <p:sp>
         <p:nvSpPr>
           <p:cNvPr id="6" name="TextBox 5"/>
@@ -3619,6 +3595,30 @@
           </p:sp>
         </mc:Fallback>
       </mc:AlternateContent>
+      <p:pic>
+        <p:nvPicPr>
+          <p:cNvPr id="2" name="Picture 1"/>
+          <p:cNvPicPr>
+            <a:picLocks noChangeAspect="1"/>
+          </p:cNvPicPr>
+          <p:nvPr/>
+        </p:nvPicPr>
+        <p:blipFill>
+          <a:blip r:embed="rId4"/>
+          <a:stretch>
+            <a:fillRect/>
+          </a:stretch>
+        </p:blipFill>
+        <p:spPr>
+          <a:xfrm>
+            <a:off x="553785" y="1516031"/>
+            <a:ext cx="10810238" cy="3460629"/>
+          </a:xfrm>
+          <a:prstGeom prst="rect">
+            <a:avLst/>
+          </a:prstGeom>
+        </p:spPr>
+      </p:pic>
     </p:spTree>
     <p:extLst>
       <p:ext uri="{BB962C8B-B14F-4D97-AF65-F5344CB8AC3E}">
@@ -3708,7 +3708,7 @@
         <p:spPr>
           <a:xfrm>
             <a:off x="1084217" y="5695406"/>
-            <a:ext cx="10398034" cy="707886"/>
+            <a:ext cx="10398034" cy="400110"/>
           </a:xfrm>
           <a:prstGeom prst="rect">
             <a:avLst/>
@@ -3726,23 +3726,56 @@
                 <a:latin typeface="Segoe UI" panose="020B0502040204020203" pitchFamily="34" charset="0"/>
                 <a:cs typeface="Segoe UI" panose="020B0502040204020203" pitchFamily="34" charset="0"/>
               </a:rPr>
-              <a:t>Kết quả: Mật độ của dung dịch CocaCola = 0.9903 (g/cm3) ;	</a:t>
-            </a:r>
-          </a:p>
-          <a:p>
+              <a:t>Kết quả: Mật độ của dung dịch CocaCola = </a:t>
+            </a:r>
             <a:r>
               <a:rPr lang="en-US" sz="2000">
                 <a:latin typeface="Segoe UI" panose="020B0502040204020203" pitchFamily="34" charset="0"/>
                 <a:cs typeface="Segoe UI" panose="020B0502040204020203" pitchFamily="34" charset="0"/>
               </a:rPr>
-              <a:t>	</a:t>
+              <a:t>0.979314 </a:t>
             </a:r>
             <a:r>
               <a:rPr lang="en-US" sz="2000" smtClean="0">
                 <a:latin typeface="Segoe UI" panose="020B0502040204020203" pitchFamily="34" charset="0"/>
                 <a:cs typeface="Segoe UI" panose="020B0502040204020203" pitchFamily="34" charset="0"/>
               </a:rPr>
-              <a:t>     Sai số: 3.10% </a:t>
+              <a:t> </a:t>
+            </a:r>
+            <a:r>
+              <a:rPr lang="en-US" sz="2000" smtClean="0">
+                <a:latin typeface="Segoe UI" panose="020B0502040204020203" pitchFamily="34" charset="0"/>
+                <a:cs typeface="Segoe UI" panose="020B0502040204020203" pitchFamily="34" charset="0"/>
+              </a:rPr>
+              <a:t>(</a:t>
+            </a:r>
+            <a:r>
+              <a:rPr lang="en-US" sz="2000" smtClean="0">
+                <a:latin typeface="Segoe UI" panose="020B0502040204020203" pitchFamily="34" charset="0"/>
+                <a:cs typeface="Segoe UI" panose="020B0502040204020203" pitchFamily="34" charset="0"/>
+              </a:rPr>
+              <a:t>g/cm3) </a:t>
+            </a:r>
+            <a:r>
+              <a:rPr lang="en-US" sz="2000" smtClean="0">
+                <a:latin typeface="Segoe UI" panose="020B0502040204020203" pitchFamily="34" charset="0"/>
+                <a:cs typeface="Segoe UI" panose="020B0502040204020203" pitchFamily="34" charset="0"/>
+              </a:rPr>
+              <a:t>; </a:t>
+            </a:r>
+            <a:r>
+              <a:rPr lang="en-US" sz="2000" smtClean="0">
+                <a:latin typeface="Segoe UI" panose="020B0502040204020203" pitchFamily="34" charset="0"/>
+                <a:cs typeface="Segoe UI" panose="020B0502040204020203" pitchFamily="34" charset="0"/>
+              </a:rPr>
+              <a:t>Sai số: </a:t>
+            </a:r>
+            <a:r>
+              <a:rPr lang="en-US" sz="2000">
+                <a:latin typeface="Segoe UI" panose="020B0502040204020203" pitchFamily="34" charset="0"/>
+                <a:cs typeface="Segoe UI" panose="020B0502040204020203" pitchFamily="34" charset="0"/>
+              </a:rPr>
+              <a:t>4.266542% </a:t>
             </a:r>
             <a:endParaRPr lang="en-US" sz="2000">
               <a:latin typeface="Segoe UI" panose="020B0502040204020203" pitchFamily="34" charset="0"/>
@@ -3753,14 +3786,14 @@
       </p:sp>
       <p:pic>
         <p:nvPicPr>
-          <p:cNvPr id="2" name="Picture 1"/>
+          <p:cNvPr id="3" name="Picture 2"/>
           <p:cNvPicPr>
             <a:picLocks noChangeAspect="1"/>
           </p:cNvPicPr>
           <p:nvPr/>
         </p:nvPicPr>
         <p:blipFill>
-          <a:blip r:embed="rId2">
+          <a:blip r:embed="rId2" cstate="print">
             <a:extLst>
               <a:ext uri="{28A0092B-C50C-407E-A947-70E740481C1C}">
                 <a14:useLocalDpi xmlns:a14="http://schemas.microsoft.com/office/drawing/2010/main" val="0"/>
@@ -3773,8 +3806,8 @@
         </p:blipFill>
         <p:spPr>
           <a:xfrm>
-            <a:off x="2429692" y="613954"/>
-            <a:ext cx="6893587" cy="4642264"/>
+            <a:off x="2264223" y="613954"/>
+            <a:ext cx="7358748" cy="4905832"/>
           </a:xfrm>
           <a:prstGeom prst="rect">
             <a:avLst/>
@@ -4190,8 +4223,8 @@
           </a:p>
         </p:txBody>
       </p:sp>
-      <mc:AlternateContent xmlns:mc="http://schemas.openxmlformats.org/markup-compatibility/2006">
-        <mc:Choice xmlns:a14="http://schemas.microsoft.com/office/drawing/2010/main" Requires="a14">
+      <mc:AlternateContent xmlns:mc="http://schemas.openxmlformats.org/markup-compatibility/2006" xmlns:a14="http://schemas.microsoft.com/office/drawing/2010/main">
+        <mc:Choice Requires="a14">
           <p:sp>
             <p:nvSpPr>
               <p:cNvPr id="8" name="TextBox 7"/>
@@ -4375,7 +4408,7 @@
             </p:txBody>
           </p:sp>
         </mc:Choice>
-        <mc:Fallback>
+        <mc:Fallback xmlns="">
           <p:sp>
             <p:nvSpPr>
               <p:cNvPr id="8" name="TextBox 7"/>
@@ -4573,28 +4606,14 @@
                 <a:latin typeface="Segoe UI" panose="020B0502040204020203" pitchFamily="34" charset="0"/>
                 <a:cs typeface="Segoe UI" panose="020B0502040204020203" pitchFamily="34" charset="0"/>
               </a:rPr>
-              <a:t>0.940754 </a:t>
-            </a:r>
-            <a:r>
-              <a:rPr lang="en-US" sz="2000">
-                <a:latin typeface="Segoe UI" panose="020B0502040204020203" pitchFamily="34" charset="0"/>
-                <a:cs typeface="Segoe UI" panose="020B0502040204020203" pitchFamily="34" charset="0"/>
-              </a:rPr>
-              <a:t>	</a:t>
+              <a:t>0.940754 	</a:t>
             </a:r>
             <a:r>
               <a:rPr lang="en-US" sz="2000" smtClean="0">
                 <a:latin typeface="Segoe UI" panose="020B0502040204020203" pitchFamily="34" charset="0"/>
                 <a:cs typeface="Segoe UI" panose="020B0502040204020203" pitchFamily="34" charset="0"/>
               </a:rPr>
-              <a:t> </a:t>
-            </a:r>
-            <a:r>
-              <a:rPr lang="en-US" sz="2000" smtClean="0">
-                <a:latin typeface="Segoe UI" panose="020B0502040204020203" pitchFamily="34" charset="0"/>
-                <a:cs typeface="Segoe UI" panose="020B0502040204020203" pitchFamily="34" charset="0"/>
-              </a:rPr>
-              <a:t>(g/cm3) </a:t>
+              <a:t> (g/cm3) </a:t>
             </a:r>
             <a:r>
               <a:rPr lang="en-US" sz="2000">
@@ -4610,10 +4629,6 @@
               </a:rPr>
               <a:t>8.035946 % </a:t>
             </a:r>
-            <a:endParaRPr lang="en-US" sz="2000" smtClean="0">
-              <a:latin typeface="Segoe UI" panose="020B0502040204020203" pitchFamily="34" charset="0"/>
-              <a:cs typeface="Segoe UI" panose="020B0502040204020203" pitchFamily="34" charset="0"/>
-            </a:endParaRPr>
           </a:p>
           <a:p>
             <a:pPr marL="457200" indent="-457200">
@@ -4625,14 +4640,7 @@
                 <a:latin typeface="Segoe UI" panose="020B0502040204020203" pitchFamily="34" charset="0"/>
                 <a:cs typeface="Segoe UI" panose="020B0502040204020203" pitchFamily="34" charset="0"/>
               </a:rPr>
-              <a:t>Mật độ của dung dịch Sunlight_Solution = </a:t>
-            </a:r>
-            <a:r>
-              <a:rPr lang="en-US" sz="2000">
-                <a:latin typeface="Segoe UI" panose="020B0502040204020203" pitchFamily="34" charset="0"/>
-                <a:cs typeface="Segoe UI" panose="020B0502040204020203" pitchFamily="34" charset="0"/>
-              </a:rPr>
-              <a:t>0.955045 </a:t>
+              <a:t>Mật độ của dung dịch Sunlight_Solution = 0.955045 </a:t>
             </a:r>
             <a:r>
               <a:rPr lang="en-US" sz="2000" smtClean="0">
@@ -4646,35 +4654,14 @@
                 <a:latin typeface="Segoe UI" panose="020B0502040204020203" pitchFamily="34" charset="0"/>
                 <a:cs typeface="Segoe UI" panose="020B0502040204020203" pitchFamily="34" charset="0"/>
               </a:rPr>
-              <a:t>g/cm3) ; Sai số: </a:t>
-            </a:r>
-            <a:r>
-              <a:rPr lang="en-US" sz="2000">
-                <a:latin typeface="Segoe UI" panose="020B0502040204020203" pitchFamily="34" charset="0"/>
-                <a:cs typeface="Segoe UI" panose="020B0502040204020203" pitchFamily="34" charset="0"/>
-              </a:rPr>
-              <a:t>	</a:t>
-            </a:r>
-            <a:r>
-              <a:rPr lang="en-US" sz="2000">
-                <a:latin typeface="Segoe UI" panose="020B0502040204020203" pitchFamily="34" charset="0"/>
-                <a:cs typeface="Segoe UI" panose="020B0502040204020203" pitchFamily="34" charset="0"/>
-              </a:rPr>
-              <a:t>3.525721 </a:t>
+              <a:t>g/cm3) ; Sai số: 	3.525721 </a:t>
             </a:r>
             <a:r>
               <a:rPr lang="en-US" sz="2000" smtClean="0">
                 <a:latin typeface="Segoe UI" panose="020B0502040204020203" pitchFamily="34" charset="0"/>
                 <a:cs typeface="Segoe UI" panose="020B0502040204020203" pitchFamily="34" charset="0"/>
               </a:rPr>
-              <a:t> </a:t>
-            </a:r>
-            <a:r>
-              <a:rPr lang="en-US" sz="2000" smtClean="0">
-                <a:latin typeface="Segoe UI" panose="020B0502040204020203" pitchFamily="34" charset="0"/>
-                <a:cs typeface="Segoe UI" panose="020B0502040204020203" pitchFamily="34" charset="0"/>
-              </a:rPr>
-              <a:t>%</a:t>
+              <a:t> %</a:t>
             </a:r>
           </a:p>
           <a:p>
@@ -4701,14 +4688,7 @@
                 <a:latin typeface="Segoe UI" panose="020B0502040204020203" pitchFamily="34" charset="0"/>
                 <a:cs typeface="Segoe UI" panose="020B0502040204020203" pitchFamily="34" charset="0"/>
               </a:rPr>
-              <a:t>= </a:t>
-            </a:r>
-            <a:r>
-              <a:rPr lang="en-US" sz="2000">
-                <a:latin typeface="Segoe UI" panose="020B0502040204020203" pitchFamily="34" charset="0"/>
-                <a:cs typeface="Segoe UI" panose="020B0502040204020203" pitchFamily="34" charset="0"/>
-              </a:rPr>
-              <a:t>0.950561 </a:t>
+              <a:t>= 0.950561 </a:t>
             </a:r>
             <a:r>
               <a:rPr lang="en-US" sz="2000" smtClean="0">
@@ -4722,21 +4702,7 @@
                 <a:latin typeface="Segoe UI" panose="020B0502040204020203" pitchFamily="34" charset="0"/>
                 <a:cs typeface="Segoe UI" panose="020B0502040204020203" pitchFamily="34" charset="0"/>
               </a:rPr>
-              <a:t>g/cm3) ; Sai </a:t>
-            </a:r>
-            <a:r>
-              <a:rPr lang="en-US" sz="2000">
-                <a:latin typeface="Segoe UI" panose="020B0502040204020203" pitchFamily="34" charset="0"/>
-                <a:cs typeface="Segoe UI" panose="020B0502040204020203" pitchFamily="34" charset="0"/>
-              </a:rPr>
-              <a:t>số</a:t>
-            </a:r>
-            <a:r>
-              <a:rPr lang="en-US" sz="2000">
-                <a:latin typeface="Segoe UI" panose="020B0502040204020203" pitchFamily="34" charset="0"/>
-                <a:cs typeface="Segoe UI" panose="020B0502040204020203" pitchFamily="34" charset="0"/>
-              </a:rPr>
-              <a:t>: </a:t>
+              <a:t>g/cm3) ; Sai số: </a:t>
             </a:r>
             <a:r>
               <a:rPr lang="en-US" sz="2000" smtClean="0">
